--- a/recommendation_template.pptx
+++ b/recommendation_template.pptx
@@ -107,6 +107,11 @@
       </a:defRPr>
     </a:lvl9pPr>
   </p:defaultTextStyle>
+  <p:extLst>
+    <p:ext uri="{EFAFB233-063F-42B5-8137-9DF3F51BA10A}">
+      <p15:sldGuideLst xmlns:p15="http://schemas.microsoft.com/office/powerpoint/2012/main"/>
+    </p:ext>
+  </p:extLst>
 </p:presentation>
 </file>
 
@@ -15776,7 +15781,7 @@
               </a:spcBef>
             </a:pPr>
             <a:r>
-              <a:rPr lang="en-US" sz="1500" b="1" i="1" dirty="0">
+              <a:rPr lang="en-US" sz="1500" b="1" i="1">
                 <a:solidFill>
                   <a:srgbClr val="000000"/>
                 </a:solidFill>
@@ -15784,7 +15789,18 @@
                 <a:ea typeface="Helvetica Neue" panose="02000503000000020004" pitchFamily="2" charset="0"/>
                 <a:cs typeface="Helvetica Neue" panose="02000503000000020004" pitchFamily="2" charset="0"/>
               </a:rPr>
-              <a:t>Key Findings</a:t>
+              <a:t>Key1 </a:t>
+            </a:r>
+            <a:r>
+              <a:rPr lang="en-US" sz="1500" b="1" i="1" dirty="0">
+                <a:solidFill>
+                  <a:srgbClr val="000000"/>
+                </a:solidFill>
+                <a:latin typeface="IBM Plex Sans" panose="020B0503050203000203" pitchFamily="34" charset="0"/>
+                <a:ea typeface="Helvetica Neue" panose="02000503000000020004" pitchFamily="2" charset="0"/>
+                <a:cs typeface="Helvetica Neue" panose="02000503000000020004" pitchFamily="2" charset="0"/>
+              </a:rPr>
+              <a:t>Findings</a:t>
             </a:r>
           </a:p>
         </p:txBody>
@@ -18195,7 +18211,7 @@
           </a:ln>
           <a:extLst>
             <a:ext uri="{C572A759-6A51-4108-AA02-DFA0A04FC94B}">
-              <ma14:wrappingTextBoxFlag xmlns="" xmlns:ma14="http://schemas.microsoft.com/office/mac/drawingml/2011/main" val="1"/>
+              <ma14:wrappingTextBoxFlag xmlns:ma14="http://schemas.microsoft.com/office/mac/drawingml/2011/main" xmlns="" val="1"/>
             </a:ext>
           </a:extLst>
         </p:spPr>
@@ -18293,12 +18309,20 @@
           <a:lstStyle/>
           <a:p>
             <a:r>
+              <a:rPr lang="en-AU" sz="2667" dirty="0" err="1">
+                <a:solidFill>
+                  <a:schemeClr val="bg2"/>
+                </a:solidFill>
+              </a:rPr>
+              <a:t>Incide</a:t>
+            </a:r>
+            <a:r>
               <a:rPr lang="en-AU" sz="2667" dirty="0">
                 <a:solidFill>
                   <a:schemeClr val="bg2"/>
                 </a:solidFill>
               </a:rPr>
-              <a:t>Incident Management - </a:t>
+              <a:t> Management - </a:t>
             </a:r>
             <a:r>
               <a:rPr lang="en-AU" sz="2667" b="1" dirty="0">
